--- a/Offline/Signages/Extras.pptx
+++ b/Offline/Signages/Extras.pptx
@@ -9,6 +9,8 @@
     <p:sldId id="258" r:id="rId3"/>
     <p:sldId id="259" r:id="rId4"/>
     <p:sldId id="260" r:id="rId5"/>
+    <p:sldId id="261" r:id="rId6"/>
+    <p:sldId id="262" r:id="rId7"/>
   </p:sldIdLst>
   <p:sldSz cx="9906000" cy="6858000" type="A4"/>
   <p:notesSz cx="6858000" cy="9144000"/>
@@ -107,6 +109,11 @@
       </a:defRPr>
     </a:lvl9pPr>
   </p:defaultTextStyle>
+  <p:extLst>
+    <p:ext uri="{EFAFB233-063F-42B5-8137-9DF3F51BA10A}">
+      <p15:sldGuideLst xmlns:p15="http://schemas.microsoft.com/office/powerpoint/2012/main"/>
+    </p:ext>
+  </p:extLst>
 </p:presentation>
 </file>
 
@@ -152,7 +159,7 @@
           </a:lstStyle>
           <a:p>
             <a:r>
-              <a:rPr lang="en-US" smtClean="0"/>
+              <a:rPr lang="en-US"/>
               <a:t>Click to edit Master title style</a:t>
             </a:r>
             <a:endParaRPr lang="en-US" dirty="0"/>
@@ -217,7 +224,7 @@
           </a:lstStyle>
           <a:p>
             <a:r>
-              <a:rPr lang="en-US" smtClean="0"/>
+              <a:rPr lang="en-US"/>
               <a:t>Click to edit Master subtitle style</a:t>
             </a:r>
             <a:endParaRPr lang="en-US" dirty="0"/>
@@ -241,7 +248,7 @@
           <a:p>
             <a:fld id="{BEDC8301-5898-4F74-97BC-B109DB87A655}" type="datetimeFigureOut">
               <a:rPr lang="en-AU" smtClean="0"/>
-              <a:t>16/05/2023</a:t>
+              <a:t>4/08/2023</a:t>
             </a:fld>
             <a:endParaRPr lang="en-AU"/>
           </a:p>
@@ -335,7 +342,7 @@
           <a:lstStyle/>
           <a:p>
             <a:r>
-              <a:rPr lang="en-US" smtClean="0"/>
+              <a:rPr lang="en-US"/>
               <a:t>Click to edit Master title style</a:t>
             </a:r>
             <a:endParaRPr lang="en-US" dirty="0"/>
@@ -359,35 +366,35 @@
           <a:p>
             <a:pPr lvl="0"/>
             <a:r>
-              <a:rPr lang="en-US" smtClean="0"/>
+              <a:rPr lang="en-US"/>
               <a:t>Click to edit Master text styles</a:t>
             </a:r>
           </a:p>
           <a:p>
             <a:pPr lvl="1"/>
             <a:r>
-              <a:rPr lang="en-US" smtClean="0"/>
+              <a:rPr lang="en-US"/>
               <a:t>Second level</a:t>
             </a:r>
           </a:p>
           <a:p>
             <a:pPr lvl="2"/>
             <a:r>
-              <a:rPr lang="en-US" smtClean="0"/>
+              <a:rPr lang="en-US"/>
               <a:t>Third level</a:t>
             </a:r>
           </a:p>
           <a:p>
             <a:pPr lvl="3"/>
             <a:r>
-              <a:rPr lang="en-US" smtClean="0"/>
+              <a:rPr lang="en-US"/>
               <a:t>Fourth level</a:t>
             </a:r>
           </a:p>
           <a:p>
             <a:pPr lvl="4"/>
             <a:r>
-              <a:rPr lang="en-US" smtClean="0"/>
+              <a:rPr lang="en-US"/>
               <a:t>Fifth level</a:t>
             </a:r>
             <a:endParaRPr lang="en-US" dirty="0"/>
@@ -411,7 +418,7 @@
           <a:p>
             <a:fld id="{BEDC8301-5898-4F74-97BC-B109DB87A655}" type="datetimeFigureOut">
               <a:rPr lang="en-AU" smtClean="0"/>
-              <a:t>16/05/2023</a:t>
+              <a:t>4/08/2023</a:t>
             </a:fld>
             <a:endParaRPr lang="en-AU"/>
           </a:p>
@@ -510,7 +517,7 @@
           <a:lstStyle/>
           <a:p>
             <a:r>
-              <a:rPr lang="en-US" smtClean="0"/>
+              <a:rPr lang="en-US"/>
               <a:t>Click to edit Master title style</a:t>
             </a:r>
             <a:endParaRPr lang="en-US" dirty="0"/>
@@ -539,35 +546,35 @@
           <a:p>
             <a:pPr lvl="0"/>
             <a:r>
-              <a:rPr lang="en-US" smtClean="0"/>
+              <a:rPr lang="en-US"/>
               <a:t>Click to edit Master text styles</a:t>
             </a:r>
           </a:p>
           <a:p>
             <a:pPr lvl="1"/>
             <a:r>
-              <a:rPr lang="en-US" smtClean="0"/>
+              <a:rPr lang="en-US"/>
               <a:t>Second level</a:t>
             </a:r>
           </a:p>
           <a:p>
             <a:pPr lvl="2"/>
             <a:r>
-              <a:rPr lang="en-US" smtClean="0"/>
+              <a:rPr lang="en-US"/>
               <a:t>Third level</a:t>
             </a:r>
           </a:p>
           <a:p>
             <a:pPr lvl="3"/>
             <a:r>
-              <a:rPr lang="en-US" smtClean="0"/>
+              <a:rPr lang="en-US"/>
               <a:t>Fourth level</a:t>
             </a:r>
           </a:p>
           <a:p>
             <a:pPr lvl="4"/>
             <a:r>
-              <a:rPr lang="en-US" smtClean="0"/>
+              <a:rPr lang="en-US"/>
               <a:t>Fifth level</a:t>
             </a:r>
             <a:endParaRPr lang="en-US" dirty="0"/>
@@ -591,7 +598,7 @@
           <a:p>
             <a:fld id="{BEDC8301-5898-4F74-97BC-B109DB87A655}" type="datetimeFigureOut">
               <a:rPr lang="en-AU" smtClean="0"/>
-              <a:t>16/05/2023</a:t>
+              <a:t>4/08/2023</a:t>
             </a:fld>
             <a:endParaRPr lang="en-AU"/>
           </a:p>
@@ -685,7 +692,7 @@
           <a:lstStyle/>
           <a:p>
             <a:r>
-              <a:rPr lang="en-US" smtClean="0"/>
+              <a:rPr lang="en-US"/>
               <a:t>Click to edit Master title style</a:t>
             </a:r>
             <a:endParaRPr lang="en-US" dirty="0"/>
@@ -709,35 +716,35 @@
           <a:p>
             <a:pPr lvl="0"/>
             <a:r>
-              <a:rPr lang="en-US" smtClean="0"/>
+              <a:rPr lang="en-US"/>
               <a:t>Click to edit Master text styles</a:t>
             </a:r>
           </a:p>
           <a:p>
             <a:pPr lvl="1"/>
             <a:r>
-              <a:rPr lang="en-US" smtClean="0"/>
+              <a:rPr lang="en-US"/>
               <a:t>Second level</a:t>
             </a:r>
           </a:p>
           <a:p>
             <a:pPr lvl="2"/>
             <a:r>
-              <a:rPr lang="en-US" smtClean="0"/>
+              <a:rPr lang="en-US"/>
               <a:t>Third level</a:t>
             </a:r>
           </a:p>
           <a:p>
             <a:pPr lvl="3"/>
             <a:r>
-              <a:rPr lang="en-US" smtClean="0"/>
+              <a:rPr lang="en-US"/>
               <a:t>Fourth level</a:t>
             </a:r>
           </a:p>
           <a:p>
             <a:pPr lvl="4"/>
             <a:r>
-              <a:rPr lang="en-US" smtClean="0"/>
+              <a:rPr lang="en-US"/>
               <a:t>Fifth level</a:t>
             </a:r>
             <a:endParaRPr lang="en-US" dirty="0"/>
@@ -761,7 +768,7 @@
           <a:p>
             <a:fld id="{BEDC8301-5898-4F74-97BC-B109DB87A655}" type="datetimeFigureOut">
               <a:rPr lang="en-AU" smtClean="0"/>
-              <a:t>16/05/2023</a:t>
+              <a:t>4/08/2023</a:t>
             </a:fld>
             <a:endParaRPr lang="en-AU"/>
           </a:p>
@@ -864,7 +871,7 @@
           </a:lstStyle>
           <a:p>
             <a:r>
-              <a:rPr lang="en-US" smtClean="0"/>
+              <a:rPr lang="en-US"/>
               <a:t>Click to edit Master title style</a:t>
             </a:r>
             <a:endParaRPr lang="en-US" dirty="0"/>
@@ -982,7 +989,7 @@
           <a:p>
             <a:pPr lvl="0"/>
             <a:r>
-              <a:rPr lang="en-US" smtClean="0"/>
+              <a:rPr lang="en-US"/>
               <a:t>Click to edit Master text styles</a:t>
             </a:r>
           </a:p>
@@ -1005,7 +1012,7 @@
           <a:p>
             <a:fld id="{BEDC8301-5898-4F74-97BC-B109DB87A655}" type="datetimeFigureOut">
               <a:rPr lang="en-AU" smtClean="0"/>
-              <a:t>16/05/2023</a:t>
+              <a:t>4/08/2023</a:t>
             </a:fld>
             <a:endParaRPr lang="en-AU"/>
           </a:p>
@@ -1099,7 +1106,7 @@
           <a:lstStyle/>
           <a:p>
             <a:r>
-              <a:rPr lang="en-US" smtClean="0"/>
+              <a:rPr lang="en-US"/>
               <a:t>Click to edit Master title style</a:t>
             </a:r>
             <a:endParaRPr lang="en-US" dirty="0"/>
@@ -1128,35 +1135,35 @@
           <a:p>
             <a:pPr lvl="0"/>
             <a:r>
-              <a:rPr lang="en-US" smtClean="0"/>
+              <a:rPr lang="en-US"/>
               <a:t>Click to edit Master text styles</a:t>
             </a:r>
           </a:p>
           <a:p>
             <a:pPr lvl="1"/>
             <a:r>
-              <a:rPr lang="en-US" smtClean="0"/>
+              <a:rPr lang="en-US"/>
               <a:t>Second level</a:t>
             </a:r>
           </a:p>
           <a:p>
             <a:pPr lvl="2"/>
             <a:r>
-              <a:rPr lang="en-US" smtClean="0"/>
+              <a:rPr lang="en-US"/>
               <a:t>Third level</a:t>
             </a:r>
           </a:p>
           <a:p>
             <a:pPr lvl="3"/>
             <a:r>
-              <a:rPr lang="en-US" smtClean="0"/>
+              <a:rPr lang="en-US"/>
               <a:t>Fourth level</a:t>
             </a:r>
           </a:p>
           <a:p>
             <a:pPr lvl="4"/>
             <a:r>
-              <a:rPr lang="en-US" smtClean="0"/>
+              <a:rPr lang="en-US"/>
               <a:t>Fifth level</a:t>
             </a:r>
             <a:endParaRPr lang="en-US" dirty="0"/>
@@ -1185,35 +1192,35 @@
           <a:p>
             <a:pPr lvl="0"/>
             <a:r>
-              <a:rPr lang="en-US" smtClean="0"/>
+              <a:rPr lang="en-US"/>
               <a:t>Click to edit Master text styles</a:t>
             </a:r>
           </a:p>
           <a:p>
             <a:pPr lvl="1"/>
             <a:r>
-              <a:rPr lang="en-US" smtClean="0"/>
+              <a:rPr lang="en-US"/>
               <a:t>Second level</a:t>
             </a:r>
           </a:p>
           <a:p>
             <a:pPr lvl="2"/>
             <a:r>
-              <a:rPr lang="en-US" smtClean="0"/>
+              <a:rPr lang="en-US"/>
               <a:t>Third level</a:t>
             </a:r>
           </a:p>
           <a:p>
             <a:pPr lvl="3"/>
             <a:r>
-              <a:rPr lang="en-US" smtClean="0"/>
+              <a:rPr lang="en-US"/>
               <a:t>Fourth level</a:t>
             </a:r>
           </a:p>
           <a:p>
             <a:pPr lvl="4"/>
             <a:r>
-              <a:rPr lang="en-US" smtClean="0"/>
+              <a:rPr lang="en-US"/>
               <a:t>Fifth level</a:t>
             </a:r>
             <a:endParaRPr lang="en-US" dirty="0"/>
@@ -1237,7 +1244,7 @@
           <a:p>
             <a:fld id="{BEDC8301-5898-4F74-97BC-B109DB87A655}" type="datetimeFigureOut">
               <a:rPr lang="en-AU" smtClean="0"/>
-              <a:t>16/05/2023</a:t>
+              <a:t>4/08/2023</a:t>
             </a:fld>
             <a:endParaRPr lang="en-AU"/>
           </a:p>
@@ -1336,7 +1343,7 @@
           <a:lstStyle/>
           <a:p>
             <a:r>
-              <a:rPr lang="en-US" smtClean="0"/>
+              <a:rPr lang="en-US"/>
               <a:t>Click to edit Master title style</a:t>
             </a:r>
             <a:endParaRPr lang="en-US" dirty="0"/>
@@ -1402,7 +1409,7 @@
           <a:p>
             <a:pPr lvl="0"/>
             <a:r>
-              <a:rPr lang="en-US" smtClean="0"/>
+              <a:rPr lang="en-US"/>
               <a:t>Click to edit Master text styles</a:t>
             </a:r>
           </a:p>
@@ -1430,35 +1437,35 @@
           <a:p>
             <a:pPr lvl="0"/>
             <a:r>
-              <a:rPr lang="en-US" smtClean="0"/>
+              <a:rPr lang="en-US"/>
               <a:t>Click to edit Master text styles</a:t>
             </a:r>
           </a:p>
           <a:p>
             <a:pPr lvl="1"/>
             <a:r>
-              <a:rPr lang="en-US" smtClean="0"/>
+              <a:rPr lang="en-US"/>
               <a:t>Second level</a:t>
             </a:r>
           </a:p>
           <a:p>
             <a:pPr lvl="2"/>
             <a:r>
-              <a:rPr lang="en-US" smtClean="0"/>
+              <a:rPr lang="en-US"/>
               <a:t>Third level</a:t>
             </a:r>
           </a:p>
           <a:p>
             <a:pPr lvl="3"/>
             <a:r>
-              <a:rPr lang="en-US" smtClean="0"/>
+              <a:rPr lang="en-US"/>
               <a:t>Fourth level</a:t>
             </a:r>
           </a:p>
           <a:p>
             <a:pPr lvl="4"/>
             <a:r>
-              <a:rPr lang="en-US" smtClean="0"/>
+              <a:rPr lang="en-US"/>
               <a:t>Fifth level</a:t>
             </a:r>
             <a:endParaRPr lang="en-US" dirty="0"/>
@@ -1524,7 +1531,7 @@
           <a:p>
             <a:pPr lvl="0"/>
             <a:r>
-              <a:rPr lang="en-US" smtClean="0"/>
+              <a:rPr lang="en-US"/>
               <a:t>Click to edit Master text styles</a:t>
             </a:r>
           </a:p>
@@ -1552,35 +1559,35 @@
           <a:p>
             <a:pPr lvl="0"/>
             <a:r>
-              <a:rPr lang="en-US" smtClean="0"/>
+              <a:rPr lang="en-US"/>
               <a:t>Click to edit Master text styles</a:t>
             </a:r>
           </a:p>
           <a:p>
             <a:pPr lvl="1"/>
             <a:r>
-              <a:rPr lang="en-US" smtClean="0"/>
+              <a:rPr lang="en-US"/>
               <a:t>Second level</a:t>
             </a:r>
           </a:p>
           <a:p>
             <a:pPr lvl="2"/>
             <a:r>
-              <a:rPr lang="en-US" smtClean="0"/>
+              <a:rPr lang="en-US"/>
               <a:t>Third level</a:t>
             </a:r>
           </a:p>
           <a:p>
             <a:pPr lvl="3"/>
             <a:r>
-              <a:rPr lang="en-US" smtClean="0"/>
+              <a:rPr lang="en-US"/>
               <a:t>Fourth level</a:t>
             </a:r>
           </a:p>
           <a:p>
             <a:pPr lvl="4"/>
             <a:r>
-              <a:rPr lang="en-US" smtClean="0"/>
+              <a:rPr lang="en-US"/>
               <a:t>Fifth level</a:t>
             </a:r>
             <a:endParaRPr lang="en-US" dirty="0"/>
@@ -1604,7 +1611,7 @@
           <a:p>
             <a:fld id="{BEDC8301-5898-4F74-97BC-B109DB87A655}" type="datetimeFigureOut">
               <a:rPr lang="en-AU" smtClean="0"/>
-              <a:t>16/05/2023</a:t>
+              <a:t>4/08/2023</a:t>
             </a:fld>
             <a:endParaRPr lang="en-AU"/>
           </a:p>
@@ -1698,7 +1705,7 @@
           <a:lstStyle/>
           <a:p>
             <a:r>
-              <a:rPr lang="en-US" smtClean="0"/>
+              <a:rPr lang="en-US"/>
               <a:t>Click to edit Master title style</a:t>
             </a:r>
             <a:endParaRPr lang="en-US" dirty="0"/>
@@ -1722,7 +1729,7 @@
           <a:p>
             <a:fld id="{BEDC8301-5898-4F74-97BC-B109DB87A655}" type="datetimeFigureOut">
               <a:rPr lang="en-AU" smtClean="0"/>
-              <a:t>16/05/2023</a:t>
+              <a:t>4/08/2023</a:t>
             </a:fld>
             <a:endParaRPr lang="en-AU"/>
           </a:p>
@@ -1817,7 +1824,7 @@
           <a:p>
             <a:fld id="{BEDC8301-5898-4F74-97BC-B109DB87A655}" type="datetimeFigureOut">
               <a:rPr lang="en-AU" smtClean="0"/>
-              <a:t>16/05/2023</a:t>
+              <a:t>4/08/2023</a:t>
             </a:fld>
             <a:endParaRPr lang="en-AU"/>
           </a:p>
@@ -1920,7 +1927,7 @@
           </a:lstStyle>
           <a:p>
             <a:r>
-              <a:rPr lang="en-US" smtClean="0"/>
+              <a:rPr lang="en-US"/>
               <a:t>Click to edit Master title style</a:t>
             </a:r>
             <a:endParaRPr lang="en-US" dirty="0"/>
@@ -1977,35 +1984,35 @@
           <a:p>
             <a:pPr lvl="0"/>
             <a:r>
-              <a:rPr lang="en-US" smtClean="0"/>
+              <a:rPr lang="en-US"/>
               <a:t>Click to edit Master text styles</a:t>
             </a:r>
           </a:p>
           <a:p>
             <a:pPr lvl="1"/>
             <a:r>
-              <a:rPr lang="en-US" smtClean="0"/>
+              <a:rPr lang="en-US"/>
               <a:t>Second level</a:t>
             </a:r>
           </a:p>
           <a:p>
             <a:pPr lvl="2"/>
             <a:r>
-              <a:rPr lang="en-US" smtClean="0"/>
+              <a:rPr lang="en-US"/>
               <a:t>Third level</a:t>
             </a:r>
           </a:p>
           <a:p>
             <a:pPr lvl="3"/>
             <a:r>
-              <a:rPr lang="en-US" smtClean="0"/>
+              <a:rPr lang="en-US"/>
               <a:t>Fourth level</a:t>
             </a:r>
           </a:p>
           <a:p>
             <a:pPr lvl="4"/>
             <a:r>
-              <a:rPr lang="en-US" smtClean="0"/>
+              <a:rPr lang="en-US"/>
               <a:t>Fifth level</a:t>
             </a:r>
             <a:endParaRPr lang="en-US" dirty="0"/>
@@ -2071,7 +2078,7 @@
           <a:p>
             <a:pPr lvl="0"/>
             <a:r>
-              <a:rPr lang="en-US" smtClean="0"/>
+              <a:rPr lang="en-US"/>
               <a:t>Click to edit Master text styles</a:t>
             </a:r>
           </a:p>
@@ -2094,7 +2101,7 @@
           <a:p>
             <a:fld id="{BEDC8301-5898-4F74-97BC-B109DB87A655}" type="datetimeFigureOut">
               <a:rPr lang="en-AU" smtClean="0"/>
-              <a:t>16/05/2023</a:t>
+              <a:t>4/08/2023</a:t>
             </a:fld>
             <a:endParaRPr lang="en-AU"/>
           </a:p>
@@ -2197,7 +2204,7 @@
           </a:lstStyle>
           <a:p>
             <a:r>
-              <a:rPr lang="en-US" smtClean="0"/>
+              <a:rPr lang="en-US"/>
               <a:t>Click to edit Master title style</a:t>
             </a:r>
             <a:endParaRPr lang="en-US" dirty="0"/>
@@ -2262,7 +2269,7 @@
           </a:lstStyle>
           <a:p>
             <a:r>
-              <a:rPr lang="en-US" smtClean="0"/>
+              <a:rPr lang="en-US"/>
               <a:t>Click icon to add picture</a:t>
             </a:r>
             <a:endParaRPr lang="en-US" dirty="0"/>
@@ -2328,7 +2335,7 @@
           <a:p>
             <a:pPr lvl="0"/>
             <a:r>
-              <a:rPr lang="en-US" smtClean="0"/>
+              <a:rPr lang="en-US"/>
               <a:t>Click to edit Master text styles</a:t>
             </a:r>
           </a:p>
@@ -2351,7 +2358,7 @@
           <a:p>
             <a:fld id="{BEDC8301-5898-4F74-97BC-B109DB87A655}" type="datetimeFigureOut">
               <a:rPr lang="en-AU" smtClean="0"/>
-              <a:t>16/05/2023</a:t>
+              <a:t>4/08/2023</a:t>
             </a:fld>
             <a:endParaRPr lang="en-AU"/>
           </a:p>
@@ -2460,7 +2467,7 @@
           <a:lstStyle/>
           <a:p>
             <a:r>
-              <a:rPr lang="en-US" smtClean="0"/>
+              <a:rPr lang="en-US"/>
               <a:t>Click to edit Master title style</a:t>
             </a:r>
             <a:endParaRPr lang="en-US" dirty="0"/>
@@ -2494,35 +2501,35 @@
           <a:p>
             <a:pPr lvl="0"/>
             <a:r>
-              <a:rPr lang="en-US" smtClean="0"/>
+              <a:rPr lang="en-US"/>
               <a:t>Click to edit Master text styles</a:t>
             </a:r>
           </a:p>
           <a:p>
             <a:pPr lvl="1"/>
             <a:r>
-              <a:rPr lang="en-US" smtClean="0"/>
+              <a:rPr lang="en-US"/>
               <a:t>Second level</a:t>
             </a:r>
           </a:p>
           <a:p>
             <a:pPr lvl="2"/>
             <a:r>
-              <a:rPr lang="en-US" smtClean="0"/>
+              <a:rPr lang="en-US"/>
               <a:t>Third level</a:t>
             </a:r>
           </a:p>
           <a:p>
             <a:pPr lvl="3"/>
             <a:r>
-              <a:rPr lang="en-US" smtClean="0"/>
+              <a:rPr lang="en-US"/>
               <a:t>Fourth level</a:t>
             </a:r>
           </a:p>
           <a:p>
             <a:pPr lvl="4"/>
             <a:r>
-              <a:rPr lang="en-US" smtClean="0"/>
+              <a:rPr lang="en-US"/>
               <a:t>Fifth level</a:t>
             </a:r>
             <a:endParaRPr lang="en-US" dirty="0"/>
@@ -2564,7 +2571,7 @@
           <a:p>
             <a:fld id="{BEDC8301-5898-4F74-97BC-B109DB87A655}" type="datetimeFigureOut">
               <a:rPr lang="en-AU" smtClean="0"/>
-              <a:t>16/05/2023</a:t>
+              <a:t>4/08/2023</a:t>
             </a:fld>
             <a:endParaRPr lang="en-AU"/>
           </a:p>
@@ -3015,7 +3022,7 @@
           <p:cNvPr id="15" name="TextBox 14">
             <a:extLst>
               <a:ext uri="{FF2B5EF4-FFF2-40B4-BE49-F238E27FC236}">
-                <a16:creationId xmlns="" xmlns:a16="http://schemas.microsoft.com/office/drawing/2014/main" id="{3A348F4E-C89E-4CF4-A6DA-3853481E9039}"/>
+                <a16:creationId xmlns:a16="http://schemas.microsoft.com/office/drawing/2014/main" id="{3A348F4E-C89E-4CF4-A6DA-3853481E9039}"/>
               </a:ext>
             </a:extLst>
           </p:cNvPr>
@@ -3040,7 +3047,7 @@
           <a:p>
             <a:pPr algn="ctr"/>
             <a:r>
-              <a:rPr lang="en-US" sz="8000" b="1" dirty="0" smtClean="0">
+              <a:rPr lang="en-US" sz="8000" b="1" dirty="0">
                 <a:solidFill>
                   <a:srgbClr val="FF0000"/>
                 </a:solidFill>
@@ -3048,12 +3055,6 @@
               </a:rPr>
               <a:t>NO SMOKING</a:t>
             </a:r>
-            <a:endParaRPr lang="en-US" sz="8000" b="1" dirty="0">
-              <a:solidFill>
-                <a:srgbClr val="FF0000"/>
-              </a:solidFill>
-              <a:latin typeface="Oxygen" panose="02000503000000000000" pitchFamily="2" charset="0"/>
-            </a:endParaRPr>
           </a:p>
         </p:txBody>
       </p:sp>
@@ -3062,7 +3063,7 @@
           <p:cNvPr id="16" name="Picture 15">
             <a:extLst>
               <a:ext uri="{FF2B5EF4-FFF2-40B4-BE49-F238E27FC236}">
-                <a16:creationId xmlns="" xmlns:a16="http://schemas.microsoft.com/office/drawing/2014/main" id="{47FD1120-5580-4C9C-934B-015CE3DF043E}"/>
+                <a16:creationId xmlns:a16="http://schemas.microsoft.com/office/drawing/2014/main" id="{47FD1120-5580-4C9C-934B-015CE3DF043E}"/>
               </a:ext>
             </a:extLst>
           </p:cNvPr>
@@ -3092,7 +3093,7 @@
           <p:cNvPr id="17" name="TextBox 16">
             <a:extLst>
               <a:ext uri="{FF2B5EF4-FFF2-40B4-BE49-F238E27FC236}">
-                <a16:creationId xmlns="" xmlns:a16="http://schemas.microsoft.com/office/drawing/2014/main" id="{3A348F4E-C89E-4CF4-A6DA-3853481E9039}"/>
+                <a16:creationId xmlns:a16="http://schemas.microsoft.com/office/drawing/2014/main" id="{3A348F4E-C89E-4CF4-A6DA-3853481E9039}"/>
               </a:ext>
             </a:extLst>
           </p:cNvPr>
@@ -3117,28 +3118,19 @@
           <a:p>
             <a:pPr algn="ctr"/>
             <a:r>
-              <a:rPr lang="en-US" sz="2400" b="1" dirty="0" smtClean="0">
+              <a:rPr lang="en-US" sz="2400" b="1" dirty="0">
                 <a:solidFill>
                   <a:srgbClr val="FF0000"/>
                 </a:solidFill>
                 <a:latin typeface="Oxygen" panose="02000503000000000000" pitchFamily="2" charset="0"/>
               </a:rPr>
-              <a:t>EDUCATIONAL INSTITUTION </a:t>
-            </a:r>
-            <a:r>
-              <a:rPr lang="en-US" sz="2400" b="1" dirty="0" smtClean="0">
-                <a:solidFill>
-                  <a:srgbClr val="FF0000"/>
-                </a:solidFill>
-                <a:latin typeface="Oxygen" panose="02000503000000000000" pitchFamily="2" charset="0"/>
-              </a:rPr>
-              <a:t>SMOKE FREE RULES</a:t>
+              <a:t>EDUCATIONAL INSTITUTION SMOKE FREE RULES</a:t>
             </a:r>
           </a:p>
           <a:p>
             <a:pPr algn="ctr"/>
             <a:r>
-              <a:rPr lang="en-US" sz="2400" b="1" dirty="0" smtClean="0">
+              <a:rPr lang="en-US" sz="2400" b="1" dirty="0">
                 <a:solidFill>
                   <a:srgbClr val="FF0000"/>
                 </a:solidFill>
@@ -3146,12 +3138,6 @@
               </a:rPr>
               <a:t>TOBACCO CONTROL ACT, GOVT OF INDIA</a:t>
             </a:r>
-            <a:endParaRPr lang="en-US" sz="2400" b="1" dirty="0">
-              <a:solidFill>
-                <a:srgbClr val="FF0000"/>
-              </a:solidFill>
-              <a:latin typeface="Oxygen" panose="02000503000000000000" pitchFamily="2" charset="0"/>
-            </a:endParaRPr>
           </a:p>
         </p:txBody>
       </p:sp>
@@ -3231,7 +3217,7 @@
           <p:cNvPr id="15" name="TextBox 14">
             <a:extLst>
               <a:ext uri="{FF2B5EF4-FFF2-40B4-BE49-F238E27FC236}">
-                <a16:creationId xmlns="" xmlns:a16="http://schemas.microsoft.com/office/drawing/2014/main" id="{3A348F4E-C89E-4CF4-A6DA-3853481E9039}"/>
+                <a16:creationId xmlns:a16="http://schemas.microsoft.com/office/drawing/2014/main" id="{3A348F4E-C89E-4CF4-A6DA-3853481E9039}"/>
               </a:ext>
             </a:extLst>
           </p:cNvPr>
@@ -3256,7 +3242,7 @@
           <a:p>
             <a:pPr algn="ctr"/>
             <a:r>
-              <a:rPr lang="en-US" sz="8000" b="1" dirty="0" smtClean="0">
+              <a:rPr lang="en-US" sz="8000" b="1" dirty="0">
                 <a:solidFill>
                   <a:srgbClr val="FF0000"/>
                 </a:solidFill>
@@ -3268,7 +3254,7 @@
           <a:p>
             <a:pPr algn="ctr"/>
             <a:r>
-              <a:rPr lang="en-US" sz="7200" b="1" dirty="0" smtClean="0">
+              <a:rPr lang="en-US" sz="7200" b="1" dirty="0">
                 <a:solidFill>
                   <a:srgbClr val="FF0000"/>
                 </a:solidFill>
@@ -3279,7 +3265,7 @@
           </a:p>
           <a:p>
             <a:pPr algn="ctr"/>
-            <a:endParaRPr lang="en-US" sz="8800" b="1" dirty="0" smtClean="0">
+            <a:endParaRPr lang="en-US" sz="8800" b="1" dirty="0">
               <a:solidFill>
                 <a:srgbClr val="FF0000"/>
               </a:solidFill>
@@ -3295,41 +3281,8 @@
                 </a:solidFill>
                 <a:latin typeface="Oxygen" panose="02000503000000000000" pitchFamily="2" charset="0"/>
               </a:rPr>
-              <a:t>NO BETEL, </a:t>
-            </a:r>
-            <a:r>
-              <a:rPr lang="en-US" sz="6600" b="1" dirty="0" smtClean="0">
-                <a:solidFill>
-                  <a:srgbClr val="FF0000"/>
-                </a:solidFill>
-                <a:latin typeface="Oxygen" panose="02000503000000000000" pitchFamily="2" charset="0"/>
-              </a:rPr>
-              <a:t>BETEL-NUT, </a:t>
-            </a:r>
-            <a:r>
-              <a:rPr lang="en-US" sz="6600" b="1" dirty="0">
-                <a:solidFill>
-                  <a:srgbClr val="FF0000"/>
-                </a:solidFill>
-                <a:latin typeface="Oxygen" panose="02000503000000000000" pitchFamily="2" charset="0"/>
-              </a:rPr>
-              <a:t>CHEWING </a:t>
-            </a:r>
-            <a:r>
-              <a:rPr lang="en-US" sz="6600" b="1" dirty="0" smtClean="0">
-                <a:solidFill>
-                  <a:srgbClr val="FF0000"/>
-                </a:solidFill>
-                <a:latin typeface="Oxygen" panose="02000503000000000000" pitchFamily="2" charset="0"/>
-              </a:rPr>
-              <a:t>GUM POLICY</a:t>
-            </a:r>
-            <a:endParaRPr lang="en-US" sz="6600" b="1" dirty="0">
-              <a:solidFill>
-                <a:srgbClr val="FF0000"/>
-              </a:solidFill>
-              <a:latin typeface="Oxygen" panose="02000503000000000000" pitchFamily="2" charset="0"/>
-            </a:endParaRPr>
+              <a:t>NO BETEL, BETEL-NUT, CHEWING GUM POLICY</a:t>
+            </a:r>
           </a:p>
         </p:txBody>
       </p:sp>
@@ -3338,7 +3291,7 @@
           <p:cNvPr id="16" name="Picture 15">
             <a:extLst>
               <a:ext uri="{FF2B5EF4-FFF2-40B4-BE49-F238E27FC236}">
-                <a16:creationId xmlns="" xmlns:a16="http://schemas.microsoft.com/office/drawing/2014/main" id="{47FD1120-5580-4C9C-934B-015CE3DF043E}"/>
+                <a16:creationId xmlns:a16="http://schemas.microsoft.com/office/drawing/2014/main" id="{47FD1120-5580-4C9C-934B-015CE3DF043E}"/>
               </a:ext>
             </a:extLst>
           </p:cNvPr>
@@ -3368,7 +3321,7 @@
           <p:cNvPr id="17" name="TextBox 16">
             <a:extLst>
               <a:ext uri="{FF2B5EF4-FFF2-40B4-BE49-F238E27FC236}">
-                <a16:creationId xmlns="" xmlns:a16="http://schemas.microsoft.com/office/drawing/2014/main" id="{3A348F4E-C89E-4CF4-A6DA-3853481E9039}"/>
+                <a16:creationId xmlns:a16="http://schemas.microsoft.com/office/drawing/2014/main" id="{3A348F4E-C89E-4CF4-A6DA-3853481E9039}"/>
               </a:ext>
             </a:extLst>
           </p:cNvPr>
@@ -3393,29 +3346,14 @@
           <a:p>
             <a:pPr algn="ctr"/>
             <a:r>
-              <a:rPr lang="en-US" sz="2000" b="1" dirty="0" smtClean="0">
+              <a:rPr lang="en-US" sz="2000" b="1" dirty="0">
                 <a:solidFill>
                   <a:srgbClr val="FF0000"/>
                 </a:solidFill>
                 <a:latin typeface="Oxygen" panose="02000503000000000000" pitchFamily="2" charset="0"/>
               </a:rPr>
-              <a:t>EDUCATIONAL INSTITUTION </a:t>
-            </a:r>
-            <a:r>
-              <a:rPr lang="en-US" sz="2000" b="1" dirty="0" smtClean="0">
-                <a:solidFill>
-                  <a:srgbClr val="FF0000"/>
-                </a:solidFill>
-                <a:latin typeface="Oxygen" panose="02000503000000000000" pitchFamily="2" charset="0"/>
-              </a:rPr>
-              <a:t>TOBACCO CONTROL ACT, GOVT OF INDIA</a:t>
-            </a:r>
-            <a:endParaRPr lang="en-US" sz="2000" b="1" dirty="0">
-              <a:solidFill>
-                <a:srgbClr val="FF0000"/>
-              </a:solidFill>
-              <a:latin typeface="Oxygen" panose="02000503000000000000" pitchFamily="2" charset="0"/>
-            </a:endParaRPr>
+              <a:t>EDUCATIONAL INSTITUTION TOBACCO CONTROL ACT, GOVT OF INDIA</a:t>
+            </a:r>
           </a:p>
         </p:txBody>
       </p:sp>
@@ -3470,13 +3408,6 @@
   <p:clrMapOvr>
     <a:masterClrMapping/>
   </p:clrMapOvr>
-  <p:timing>
-    <p:tnLst>
-      <p:par>
-        <p:cTn id="1" dur="indefinite" restart="never" nodeType="tmRoot"/>
-      </p:par>
-    </p:tnLst>
-  </p:timing>
 </p:sld>
 </file>
 
@@ -3526,7 +3457,7 @@
           <p:cNvPr id="3" name="Rectangle 2">
             <a:extLst>
               <a:ext uri="{FF2B5EF4-FFF2-40B4-BE49-F238E27FC236}">
-                <a16:creationId xmlns="" xmlns:a16="http://schemas.microsoft.com/office/drawing/2014/main" id="{7C0E56FF-906E-4595-AC9D-317FC7AD472E}"/>
+                <a16:creationId xmlns:a16="http://schemas.microsoft.com/office/drawing/2014/main" id="{7C0E56FF-906E-4595-AC9D-317FC7AD472E}"/>
               </a:ext>
             </a:extLst>
           </p:cNvPr>
@@ -3578,7 +3509,7 @@
           <p:cNvPr id="7" name="Rectangle 6">
             <a:extLst>
               <a:ext uri="{FF2B5EF4-FFF2-40B4-BE49-F238E27FC236}">
-                <a16:creationId xmlns="" xmlns:a16="http://schemas.microsoft.com/office/drawing/2014/main" id="{A38BD559-F618-41E8-A9E4-9BC23401B5EE}"/>
+                <a16:creationId xmlns:a16="http://schemas.microsoft.com/office/drawing/2014/main" id="{A38BD559-F618-41E8-A9E4-9BC23401B5EE}"/>
               </a:ext>
             </a:extLst>
           </p:cNvPr>
@@ -3630,7 +3561,7 @@
           <p:cNvPr id="11" name="Picture 10">
             <a:extLst>
               <a:ext uri="{FF2B5EF4-FFF2-40B4-BE49-F238E27FC236}">
-                <a16:creationId xmlns="" xmlns:a16="http://schemas.microsoft.com/office/drawing/2014/main" id="{47FD1120-5580-4C9C-934B-015CE3DF043E}"/>
+                <a16:creationId xmlns:a16="http://schemas.microsoft.com/office/drawing/2014/main" id="{47FD1120-5580-4C9C-934B-015CE3DF043E}"/>
               </a:ext>
             </a:extLst>
           </p:cNvPr>
@@ -3660,7 +3591,7 @@
           <p:cNvPr id="12" name="Picture 11">
             <a:extLst>
               <a:ext uri="{FF2B5EF4-FFF2-40B4-BE49-F238E27FC236}">
-                <a16:creationId xmlns="" xmlns:a16="http://schemas.microsoft.com/office/drawing/2014/main" id="{47FD1120-5580-4C9C-934B-015CE3DF043E}"/>
+                <a16:creationId xmlns:a16="http://schemas.microsoft.com/office/drawing/2014/main" id="{47FD1120-5580-4C9C-934B-015CE3DF043E}"/>
               </a:ext>
             </a:extLst>
           </p:cNvPr>
@@ -3690,7 +3621,7 @@
           <p:cNvPr id="14" name="Rectangle 13">
             <a:extLst>
               <a:ext uri="{FF2B5EF4-FFF2-40B4-BE49-F238E27FC236}">
-                <a16:creationId xmlns="" xmlns:a16="http://schemas.microsoft.com/office/drawing/2014/main" id="{A38BD559-F618-41E8-A9E4-9BC23401B5EE}"/>
+                <a16:creationId xmlns:a16="http://schemas.microsoft.com/office/drawing/2014/main" id="{A38BD559-F618-41E8-A9E4-9BC23401B5EE}"/>
               </a:ext>
             </a:extLst>
           </p:cNvPr>
@@ -3742,7 +3673,7 @@
           <p:cNvPr id="16" name="Picture 15">
             <a:extLst>
               <a:ext uri="{FF2B5EF4-FFF2-40B4-BE49-F238E27FC236}">
-                <a16:creationId xmlns="" xmlns:a16="http://schemas.microsoft.com/office/drawing/2014/main" id="{47FD1120-5580-4C9C-934B-015CE3DF043E}"/>
+                <a16:creationId xmlns:a16="http://schemas.microsoft.com/office/drawing/2014/main" id="{47FD1120-5580-4C9C-934B-015CE3DF043E}"/>
               </a:ext>
             </a:extLst>
           </p:cNvPr>
@@ -3796,7 +3727,7 @@
           <p:cNvPr id="20" name="Rectangle 19">
             <a:extLst>
               <a:ext uri="{FF2B5EF4-FFF2-40B4-BE49-F238E27FC236}">
-                <a16:creationId xmlns="" xmlns:a16="http://schemas.microsoft.com/office/drawing/2014/main" id="{A38BD559-F618-41E8-A9E4-9BC23401B5EE}"/>
+                <a16:creationId xmlns:a16="http://schemas.microsoft.com/office/drawing/2014/main" id="{A38BD559-F618-41E8-A9E4-9BC23401B5EE}"/>
               </a:ext>
             </a:extLst>
           </p:cNvPr>
@@ -3848,7 +3779,7 @@
           <p:cNvPr id="21" name="Picture 20">
             <a:extLst>
               <a:ext uri="{FF2B5EF4-FFF2-40B4-BE49-F238E27FC236}">
-                <a16:creationId xmlns="" xmlns:a16="http://schemas.microsoft.com/office/drawing/2014/main" id="{47FD1120-5580-4C9C-934B-015CE3DF043E}"/>
+                <a16:creationId xmlns:a16="http://schemas.microsoft.com/office/drawing/2014/main" id="{47FD1120-5580-4C9C-934B-015CE3DF043E}"/>
               </a:ext>
             </a:extLst>
           </p:cNvPr>
@@ -3883,13 +3814,6 @@
   <p:clrMapOvr>
     <a:masterClrMapping/>
   </p:clrMapOvr>
-  <p:timing>
-    <p:tnLst>
-      <p:par>
-        <p:cTn id="1" dur="indefinite" restart="never" nodeType="tmRoot"/>
-      </p:par>
-    </p:tnLst>
-  </p:timing>
 </p:sld>
 </file>
 
@@ -3915,7 +3839,7 @@
           <p:cNvPr id="22" name="TextBox 21">
             <a:extLst>
               <a:ext uri="{FF2B5EF4-FFF2-40B4-BE49-F238E27FC236}">
-                <a16:creationId xmlns="" xmlns:a16="http://schemas.microsoft.com/office/drawing/2014/main" id="{3A348F4E-C89E-4CF4-A6DA-3853481E9039}"/>
+                <a16:creationId xmlns:a16="http://schemas.microsoft.com/office/drawing/2014/main" id="{3A348F4E-C89E-4CF4-A6DA-3853481E9039}"/>
               </a:ext>
             </a:extLst>
           </p:cNvPr>
@@ -3940,7 +3864,7 @@
           <a:p>
             <a:pPr algn="ctr"/>
             <a:r>
-              <a:rPr lang="en-US" sz="8000" b="1" dirty="0" smtClean="0">
+              <a:rPr lang="en-US" sz="8000" b="1" dirty="0">
                 <a:solidFill>
                   <a:srgbClr val="CC00CC"/>
                 </a:solidFill>
@@ -3948,12 +3872,6 @@
               </a:rPr>
               <a:t>DO NOT FLUSH SANITARY WASTE</a:t>
             </a:r>
-            <a:endParaRPr lang="en-US" sz="8000" b="1" dirty="0">
-              <a:solidFill>
-                <a:srgbClr val="CC00CC"/>
-              </a:solidFill>
-              <a:latin typeface="Oxygen" panose="02000503000000000000" pitchFamily="2" charset="0"/>
-            </a:endParaRPr>
           </a:p>
         </p:txBody>
       </p:sp>
@@ -4075,7 +3993,7 @@
           <p:cNvPr id="23" name="TextBox 22">
             <a:extLst>
               <a:ext uri="{FF2B5EF4-FFF2-40B4-BE49-F238E27FC236}">
-                <a16:creationId xmlns="" xmlns:a16="http://schemas.microsoft.com/office/drawing/2014/main" id="{3A348F4E-C89E-4CF4-A6DA-3853481E9039}"/>
+                <a16:creationId xmlns:a16="http://schemas.microsoft.com/office/drawing/2014/main" id="{3A348F4E-C89E-4CF4-A6DA-3853481E9039}"/>
               </a:ext>
             </a:extLst>
           </p:cNvPr>
@@ -4100,7 +4018,7 @@
           <a:p>
             <a:pPr algn="ctr"/>
             <a:r>
-              <a:rPr lang="en-US" sz="7200" b="1" dirty="0" smtClean="0">
+              <a:rPr lang="en-US" sz="7200" b="1" dirty="0">
                 <a:solidFill>
                   <a:srgbClr val="CC00CC"/>
                 </a:solidFill>
@@ -4108,12 +4026,6 @@
               </a:rPr>
               <a:t>PLEASE USE THE BIN</a:t>
             </a:r>
-            <a:endParaRPr lang="en-US" sz="7200" b="1" dirty="0">
-              <a:solidFill>
-                <a:srgbClr val="CC00CC"/>
-              </a:solidFill>
-              <a:latin typeface="Oxygen" panose="02000503000000000000" pitchFamily="2" charset="0"/>
-            </a:endParaRPr>
           </a:p>
         </p:txBody>
       </p:sp>
@@ -4127,13 +4039,865 @@
   <p:clrMapOvr>
     <a:masterClrMapping/>
   </p:clrMapOvr>
-  <p:timing>
-    <p:tnLst>
-      <p:par>
-        <p:cTn id="1" dur="indefinite" restart="never" nodeType="tmRoot"/>
-      </p:par>
-    </p:tnLst>
-  </p:timing>
+</p:sld>
+</file>
+
+<file path=ppt/slides/slide5.xml><?xml version="1.0" encoding="utf-8"?>
+<p:sld xmlns:a="http://schemas.openxmlformats.org/drawingml/2006/main" xmlns:r="http://schemas.openxmlformats.org/officeDocument/2006/relationships" xmlns:p="http://schemas.openxmlformats.org/presentationml/2006/main">
+  <p:cSld>
+    <p:spTree>
+      <p:nvGrpSpPr>
+        <p:cNvPr id="1" name=""/>
+        <p:cNvGrpSpPr/>
+        <p:nvPr/>
+      </p:nvGrpSpPr>
+      <p:grpSpPr>
+        <a:xfrm>
+          <a:off x="0" y="0"/>
+          <a:ext cx="0" cy="0"/>
+          <a:chOff x="0" y="0"/>
+          <a:chExt cx="0" cy="0"/>
+        </a:xfrm>
+      </p:grpSpPr>
+      <p:sp>
+        <p:nvSpPr>
+          <p:cNvPr id="4" name="TextBox 3">
+            <a:extLst>
+              <a:ext uri="{FF2B5EF4-FFF2-40B4-BE49-F238E27FC236}">
+                <a16:creationId xmlns:a16="http://schemas.microsoft.com/office/drawing/2014/main" id="{9004CCA5-F880-8726-B784-C1D611678423}"/>
+              </a:ext>
+            </a:extLst>
+          </p:cNvPr>
+          <p:cNvSpPr txBox="1"/>
+          <p:nvPr/>
+        </p:nvSpPr>
+        <p:spPr>
+          <a:xfrm>
+            <a:off x="0" y="276052"/>
+            <a:ext cx="9906000" cy="4585871"/>
+          </a:xfrm>
+          <a:prstGeom prst="rect">
+            <a:avLst/>
+          </a:prstGeom>
+          <a:noFill/>
+        </p:spPr>
+        <p:txBody>
+          <a:bodyPr wrap="square">
+            <a:spAutoFit/>
+          </a:bodyPr>
+          <a:lstStyle/>
+          <a:p>
+            <a:pPr algn="ctr"/>
+            <a:r>
+              <a:rPr lang="en-US" sz="5400" b="1" cap="small" dirty="0">
+                <a:solidFill>
+                  <a:srgbClr val="FF0000"/>
+                </a:solidFill>
+                <a:latin typeface="Oxygen" panose="02000503000000000000" pitchFamily="2" charset="0"/>
+              </a:rPr>
+              <a:t>Zero Tolerance for Threats and Disruptive Behavior!</a:t>
+            </a:r>
+          </a:p>
+          <a:p>
+            <a:pPr algn="ctr"/>
+            <a:endParaRPr lang="en-US" sz="3200" b="1" cap="small" dirty="0">
+              <a:latin typeface="Oxygen" panose="02000503000000000000" pitchFamily="2" charset="0"/>
+            </a:endParaRPr>
+          </a:p>
+          <a:p>
+            <a:pPr algn="ctr"/>
+            <a:r>
+              <a:rPr lang="en-US" sz="7200" b="1" cap="small" dirty="0">
+                <a:latin typeface="Oxygen" panose="02000503000000000000" pitchFamily="2" charset="0"/>
+              </a:rPr>
+              <a:t>You Deserve Good!</a:t>
+            </a:r>
+          </a:p>
+          <a:p>
+            <a:pPr algn="ctr"/>
+            <a:r>
+              <a:rPr lang="en-US" sz="7200" b="1" cap="small" dirty="0">
+                <a:latin typeface="Oxygen" panose="02000503000000000000" pitchFamily="2" charset="0"/>
+              </a:rPr>
+              <a:t>We Deserve Good!</a:t>
+            </a:r>
+          </a:p>
+        </p:txBody>
+      </p:sp>
+      <p:pic>
+        <p:nvPicPr>
+          <p:cNvPr id="2" name="Picture 1">
+            <a:extLst>
+              <a:ext uri="{FF2B5EF4-FFF2-40B4-BE49-F238E27FC236}">
+                <a16:creationId xmlns:a16="http://schemas.microsoft.com/office/drawing/2014/main" id="{5C2A7A23-7CE1-90A3-F97A-665137C0BA95}"/>
+              </a:ext>
+            </a:extLst>
+          </p:cNvPr>
+          <p:cNvPicPr>
+            <a:picLocks noChangeAspect="1"/>
+          </p:cNvPicPr>
+          <p:nvPr/>
+        </p:nvPicPr>
+        <p:blipFill>
+          <a:blip r:embed="rId2"/>
+          <a:stretch>
+            <a:fillRect/>
+          </a:stretch>
+        </p:blipFill>
+        <p:spPr>
+          <a:xfrm>
+            <a:off x="8532710" y="6100385"/>
+            <a:ext cx="1287988" cy="590855"/>
+          </a:xfrm>
+          <a:prstGeom prst="rect">
+            <a:avLst/>
+          </a:prstGeom>
+        </p:spPr>
+      </p:pic>
+      <p:pic>
+        <p:nvPicPr>
+          <p:cNvPr id="5" name="Picture 12" descr="Ashok Stambh, ashoka stambh HD wallpaper | Pxfuel">
+            <a:extLst>
+              <a:ext uri="{FF2B5EF4-FFF2-40B4-BE49-F238E27FC236}">
+                <a16:creationId xmlns:a16="http://schemas.microsoft.com/office/drawing/2014/main" id="{5A920CF5-BB2B-6D0C-4D0E-3CCD5852131C}"/>
+              </a:ext>
+            </a:extLst>
+          </p:cNvPr>
+          <p:cNvPicPr>
+            <a:picLocks noChangeAspect="1" noChangeArrowheads="1"/>
+          </p:cNvPicPr>
+          <p:nvPr/>
+        </p:nvPicPr>
+        <p:blipFill>
+          <a:blip r:embed="rId3" cstate="print">
+            <a:extLst>
+              <a:ext uri="{28A0092B-C50C-407E-A947-70E740481C1C}">
+                <a14:useLocalDpi xmlns:a14="http://schemas.microsoft.com/office/drawing/2010/main" val="0"/>
+              </a:ext>
+            </a:extLst>
+          </a:blip>
+          <a:srcRect/>
+          <a:stretch>
+            <a:fillRect/>
+          </a:stretch>
+        </p:blipFill>
+        <p:spPr bwMode="auto">
+          <a:xfrm>
+            <a:off x="283749" y="5671941"/>
+            <a:ext cx="659565" cy="1149527"/>
+          </a:xfrm>
+          <a:prstGeom prst="rect">
+            <a:avLst/>
+          </a:prstGeom>
+          <a:noFill/>
+          <a:extLst>
+            <a:ext uri="{909E8E84-426E-40DD-AFC4-6F175D3DCCD1}">
+              <a14:hiddenFill xmlns:a14="http://schemas.microsoft.com/office/drawing/2010/main">
+                <a:solidFill>
+                  <a:srgbClr val="FFFFFF"/>
+                </a:solidFill>
+              </a14:hiddenFill>
+            </a:ext>
+          </a:extLst>
+        </p:spPr>
+      </p:pic>
+      <p:sp>
+        <p:nvSpPr>
+          <p:cNvPr id="8" name="TextBox 7">
+            <a:extLst>
+              <a:ext uri="{FF2B5EF4-FFF2-40B4-BE49-F238E27FC236}">
+                <a16:creationId xmlns:a16="http://schemas.microsoft.com/office/drawing/2014/main" id="{2BF01944-ECD7-F932-12AB-D19FD9FDEC81}"/>
+              </a:ext>
+            </a:extLst>
+          </p:cNvPr>
+          <p:cNvSpPr txBox="1"/>
+          <p:nvPr/>
+        </p:nvSpPr>
+        <p:spPr>
+          <a:xfrm>
+            <a:off x="1153551" y="5490911"/>
+            <a:ext cx="7287064" cy="1200329"/>
+          </a:xfrm>
+          <a:prstGeom prst="rect">
+            <a:avLst/>
+          </a:prstGeom>
+          <a:noFill/>
+        </p:spPr>
+        <p:txBody>
+          <a:bodyPr wrap="square">
+            <a:spAutoFit/>
+          </a:bodyPr>
+          <a:lstStyle>
+            <a:defPPr>
+              <a:defRPr lang="en-US"/>
+            </a:defPPr>
+            <a:lvl1pPr algn="ctr">
+              <a:defRPr>
+                <a:latin typeface="Oxygen" panose="02000503000000000000" pitchFamily="2" charset="0"/>
+              </a:defRPr>
+            </a:lvl1pPr>
+          </a:lstStyle>
+          <a:p>
+            <a:r>
+              <a:rPr lang="fr-FR" sz="2400" b="1" cap="small" dirty="0"/>
+              <a:t>All Violent and </a:t>
+            </a:r>
+            <a:r>
+              <a:rPr lang="fr-FR" sz="2400" b="1" cap="small" dirty="0" err="1"/>
+              <a:t>Threatful</a:t>
+            </a:r>
+            <a:r>
+              <a:rPr lang="fr-FR" sz="2400" b="1" cap="small" dirty="0"/>
+              <a:t> Actions and Beauvoir Will Be </a:t>
+            </a:r>
+            <a:r>
+              <a:rPr lang="fr-FR" sz="2400" b="1" cap="small" dirty="0" err="1"/>
+              <a:t>Reported</a:t>
+            </a:r>
+            <a:r>
+              <a:rPr lang="fr-FR" sz="2400" b="1" cap="small" dirty="0"/>
+              <a:t> to Police Under Section 504 of Indian Penal Code, 1860</a:t>
+            </a:r>
+            <a:endParaRPr lang="en-US" sz="2400" b="1" cap="small" dirty="0"/>
+          </a:p>
+        </p:txBody>
+      </p:sp>
+    </p:spTree>
+    <p:extLst>
+      <p:ext uri="{BB962C8B-B14F-4D97-AF65-F5344CB8AC3E}">
+        <p14:creationId xmlns:p14="http://schemas.microsoft.com/office/powerpoint/2010/main" val="971171348"/>
+      </p:ext>
+    </p:extLst>
+  </p:cSld>
+  <p:clrMapOvr>
+    <a:masterClrMapping/>
+  </p:clrMapOvr>
+</p:sld>
+</file>
+
+<file path=ppt/slides/slide6.xml><?xml version="1.0" encoding="utf-8"?>
+<p:sld xmlns:a="http://schemas.openxmlformats.org/drawingml/2006/main" xmlns:r="http://schemas.openxmlformats.org/officeDocument/2006/relationships" xmlns:p="http://schemas.openxmlformats.org/presentationml/2006/main">
+  <p:cSld>
+    <p:spTree>
+      <p:nvGrpSpPr>
+        <p:cNvPr id="1" name=""/>
+        <p:cNvGrpSpPr/>
+        <p:nvPr/>
+      </p:nvGrpSpPr>
+      <p:grpSpPr>
+        <a:xfrm>
+          <a:off x="0" y="0"/>
+          <a:ext cx="0" cy="0"/>
+          <a:chOff x="0" y="0"/>
+          <a:chExt cx="0" cy="0"/>
+        </a:xfrm>
+      </p:grpSpPr>
+      <p:sp>
+        <p:nvSpPr>
+          <p:cNvPr id="4" name="TextBox 3">
+            <a:extLst>
+              <a:ext uri="{FF2B5EF4-FFF2-40B4-BE49-F238E27FC236}">
+                <a16:creationId xmlns:a16="http://schemas.microsoft.com/office/drawing/2014/main" id="{C985B301-B44D-2506-C8AE-46D43CDBC801}"/>
+              </a:ext>
+            </a:extLst>
+          </p:cNvPr>
+          <p:cNvSpPr txBox="1"/>
+          <p:nvPr/>
+        </p:nvSpPr>
+        <p:spPr>
+          <a:xfrm>
+            <a:off x="0" y="15793"/>
+            <a:ext cx="4953000" cy="830999"/>
+          </a:xfrm>
+          <a:prstGeom prst="rect">
+            <a:avLst/>
+          </a:prstGeom>
+          <a:noFill/>
+        </p:spPr>
+        <p:txBody>
+          <a:bodyPr wrap="square">
+            <a:spAutoFit/>
+          </a:bodyPr>
+          <a:lstStyle/>
+          <a:p>
+            <a:pPr algn="ctr"/>
+            <a:r>
+              <a:rPr lang="en-US" sz="4800" b="1" cap="small" dirty="0">
+                <a:solidFill>
+                  <a:srgbClr val="FF0000"/>
+                </a:solidFill>
+                <a:latin typeface="Oxygen" panose="02000503000000000000" pitchFamily="2" charset="0"/>
+              </a:rPr>
+              <a:t>EMERGENCY</a:t>
+            </a:r>
+            <a:endParaRPr lang="en-US" sz="4800" dirty="0"/>
+          </a:p>
+        </p:txBody>
+      </p:sp>
+      <p:pic>
+        <p:nvPicPr>
+          <p:cNvPr id="1026" name="Picture 2" descr="Red Phone Icon transparent PNG - StickPNG">
+            <a:extLst>
+              <a:ext uri="{FF2B5EF4-FFF2-40B4-BE49-F238E27FC236}">
+                <a16:creationId xmlns:a16="http://schemas.microsoft.com/office/drawing/2014/main" id="{B10D6FC0-09DB-3A3B-8251-E631070A0E09}"/>
+              </a:ext>
+            </a:extLst>
+          </p:cNvPr>
+          <p:cNvPicPr>
+            <a:picLocks noChangeAspect="1" noChangeArrowheads="1"/>
+          </p:cNvPicPr>
+          <p:nvPr/>
+        </p:nvPicPr>
+        <p:blipFill>
+          <a:blip r:embed="rId2" cstate="print">
+            <a:extLst>
+              <a:ext uri="{28A0092B-C50C-407E-A947-70E740481C1C}">
+                <a14:useLocalDpi xmlns:a14="http://schemas.microsoft.com/office/drawing/2010/main" val="0"/>
+              </a:ext>
+            </a:extLst>
+          </a:blip>
+          <a:srcRect/>
+          <a:stretch>
+            <a:fillRect/>
+          </a:stretch>
+        </p:blipFill>
+        <p:spPr bwMode="auto">
+          <a:xfrm rot="2903785">
+            <a:off x="-78118" y="1101588"/>
+            <a:ext cx="1892645" cy="1892645"/>
+          </a:xfrm>
+          <a:prstGeom prst="rect">
+            <a:avLst/>
+          </a:prstGeom>
+          <a:noFill/>
+          <a:extLst>
+            <a:ext uri="{909E8E84-426E-40DD-AFC4-6F175D3DCCD1}">
+              <a14:hiddenFill xmlns:a14="http://schemas.microsoft.com/office/drawing/2010/main">
+                <a:solidFill>
+                  <a:srgbClr val="FFFFFF"/>
+                </a:solidFill>
+              </a14:hiddenFill>
+            </a:ext>
+          </a:extLst>
+        </p:spPr>
+      </p:pic>
+      <p:sp>
+        <p:nvSpPr>
+          <p:cNvPr id="13" name="TextBox 12">
+            <a:extLst>
+              <a:ext uri="{FF2B5EF4-FFF2-40B4-BE49-F238E27FC236}">
+                <a16:creationId xmlns:a16="http://schemas.microsoft.com/office/drawing/2014/main" id="{F26D70C5-6910-FE0F-F6BB-5A4FCA51BF61}"/>
+              </a:ext>
+            </a:extLst>
+          </p:cNvPr>
+          <p:cNvSpPr txBox="1"/>
+          <p:nvPr/>
+        </p:nvSpPr>
+        <p:spPr>
+          <a:xfrm>
+            <a:off x="95543" y="3197232"/>
+            <a:ext cx="4761914" cy="3573799"/>
+          </a:xfrm>
+          <a:prstGeom prst="rect">
+            <a:avLst/>
+          </a:prstGeom>
+          <a:noFill/>
+        </p:spPr>
+        <p:txBody>
+          <a:bodyPr wrap="square">
+            <a:spAutoFit/>
+          </a:bodyPr>
+          <a:lstStyle/>
+          <a:p>
+            <a:pPr algn="ctr">
+              <a:lnSpc>
+                <a:spcPct val="150000"/>
+              </a:lnSpc>
+            </a:pPr>
+            <a:r>
+              <a:rPr lang="en-US" sz="2000" b="1" i="0" u="none" strike="noStrike" dirty="0">
+                <a:effectLst/>
+                <a:latin typeface="Oxygen" panose="02000503000000000000" pitchFamily="2" charset="0"/>
+              </a:rPr>
+              <a:t>Lal Bazar: 033 2214 3230/3024</a:t>
+            </a:r>
+          </a:p>
+          <a:p>
+            <a:pPr algn="ctr">
+              <a:lnSpc>
+                <a:spcPct val="150000"/>
+              </a:lnSpc>
+            </a:pPr>
+            <a:r>
+              <a:rPr lang="en-US" sz="2000" b="1" dirty="0">
+                <a:latin typeface="Oxygen" panose="02000503000000000000" pitchFamily="2" charset="0"/>
+              </a:rPr>
+              <a:t>Patuli PS (L): 629 225 8606</a:t>
+            </a:r>
+          </a:p>
+          <a:p>
+            <a:pPr algn="ctr"/>
+            <a:r>
+              <a:rPr lang="en-US" sz="2000" b="1" dirty="0">
+                <a:latin typeface="Oxygen" panose="02000503000000000000" pitchFamily="2" charset="0"/>
+              </a:rPr>
+              <a:t>(M): 8100976502</a:t>
+            </a:r>
+          </a:p>
+          <a:p>
+            <a:pPr algn="ctr">
+              <a:lnSpc>
+                <a:spcPct val="150000"/>
+              </a:lnSpc>
+            </a:pPr>
+            <a:r>
+              <a:rPr lang="en-US" sz="2000" b="1" i="0" u="none" strike="noStrike" dirty="0">
+                <a:effectLst/>
+                <a:latin typeface="Oxygen" panose="02000503000000000000" pitchFamily="2" charset="0"/>
+              </a:rPr>
+              <a:t>Patuli Fire Station: 033 2436 0685</a:t>
+            </a:r>
+          </a:p>
+          <a:p>
+            <a:pPr algn="ctr">
+              <a:lnSpc>
+                <a:spcPct val="150000"/>
+              </a:lnSpc>
+            </a:pPr>
+            <a:r>
+              <a:rPr lang="en-US" sz="2000" b="1" i="0" u="none" strike="noStrike" dirty="0">
+                <a:effectLst/>
+                <a:latin typeface="Oxygen" panose="02000503000000000000" pitchFamily="2" charset="0"/>
+              </a:rPr>
+              <a:t>Rai Ambulance: 94320 59771</a:t>
+            </a:r>
+          </a:p>
+          <a:p>
+            <a:pPr algn="ctr">
+              <a:lnSpc>
+                <a:spcPct val="150000"/>
+              </a:lnSpc>
+            </a:pPr>
+            <a:r>
+              <a:rPr lang="en-US" sz="2000" b="1" dirty="0">
+                <a:latin typeface="Oxygen" panose="02000503000000000000" pitchFamily="2" charset="0"/>
+              </a:rPr>
+              <a:t>Child Help Line: 1098</a:t>
+            </a:r>
+          </a:p>
+          <a:p>
+            <a:pPr algn="ctr">
+              <a:lnSpc>
+                <a:spcPct val="150000"/>
+              </a:lnSpc>
+            </a:pPr>
+            <a:r>
+              <a:rPr lang="en-US" sz="2000" b="1" dirty="0">
+                <a:latin typeface="Oxygen" panose="02000503000000000000" pitchFamily="2" charset="0"/>
+              </a:rPr>
+              <a:t>Women Help Line: 1091</a:t>
+            </a:r>
+          </a:p>
+          <a:p>
+            <a:pPr algn="ctr">
+              <a:lnSpc>
+                <a:spcPct val="150000"/>
+              </a:lnSpc>
+            </a:pPr>
+            <a:r>
+              <a:rPr lang="en-US" sz="2000" b="1" dirty="0">
+                <a:latin typeface="Oxygen" panose="02000503000000000000" pitchFamily="2" charset="0"/>
+              </a:rPr>
+              <a:t>Emergency Response: 112</a:t>
+            </a:r>
+          </a:p>
+        </p:txBody>
+      </p:sp>
+      <p:sp>
+        <p:nvSpPr>
+          <p:cNvPr id="22" name="TextBox 21">
+            <a:extLst>
+              <a:ext uri="{FF2B5EF4-FFF2-40B4-BE49-F238E27FC236}">
+                <a16:creationId xmlns:a16="http://schemas.microsoft.com/office/drawing/2014/main" id="{56D1454E-E71C-4407-9D06-F53FDE90F940}"/>
+              </a:ext>
+            </a:extLst>
+          </p:cNvPr>
+          <p:cNvSpPr txBox="1"/>
+          <p:nvPr/>
+        </p:nvSpPr>
+        <p:spPr>
+          <a:xfrm>
+            <a:off x="1171579" y="846792"/>
+            <a:ext cx="3718116" cy="2215607"/>
+          </a:xfrm>
+          <a:prstGeom prst="rect">
+            <a:avLst/>
+          </a:prstGeom>
+          <a:noFill/>
+        </p:spPr>
+        <p:txBody>
+          <a:bodyPr wrap="square">
+            <a:spAutoFit/>
+          </a:bodyPr>
+          <a:lstStyle/>
+          <a:p>
+            <a:pPr>
+              <a:lnSpc>
+                <a:spcPct val="150000"/>
+              </a:lnSpc>
+            </a:pPr>
+            <a:r>
+              <a:rPr lang="en-US" sz="3200" b="1" cap="small" dirty="0">
+                <a:solidFill>
+                  <a:srgbClr val="FF0000"/>
+                </a:solidFill>
+                <a:latin typeface="Oxygen" panose="02000503000000000000" pitchFamily="2" charset="0"/>
+              </a:rPr>
+              <a:t>POLICE - 100, 109</a:t>
+            </a:r>
+          </a:p>
+          <a:p>
+            <a:pPr>
+              <a:lnSpc>
+                <a:spcPct val="150000"/>
+              </a:lnSpc>
+            </a:pPr>
+            <a:r>
+              <a:rPr lang="en-US" sz="3200" b="1" cap="small" dirty="0">
+                <a:solidFill>
+                  <a:srgbClr val="FF0000"/>
+                </a:solidFill>
+                <a:latin typeface="Oxygen" panose="02000503000000000000" pitchFamily="2" charset="0"/>
+              </a:rPr>
+              <a:t>FIRE - 101</a:t>
+            </a:r>
+          </a:p>
+          <a:p>
+            <a:pPr>
+              <a:lnSpc>
+                <a:spcPct val="150000"/>
+              </a:lnSpc>
+            </a:pPr>
+            <a:r>
+              <a:rPr lang="en-US" sz="3200" b="1" cap="small" dirty="0">
+                <a:solidFill>
+                  <a:srgbClr val="FF0000"/>
+                </a:solidFill>
+                <a:latin typeface="Oxygen" panose="02000503000000000000" pitchFamily="2" charset="0"/>
+              </a:rPr>
+              <a:t>AMBULANCE - 102</a:t>
+            </a:r>
+          </a:p>
+        </p:txBody>
+      </p:sp>
+      <p:sp>
+        <p:nvSpPr>
+          <p:cNvPr id="23" name="TextBox 22">
+            <a:extLst>
+              <a:ext uri="{FF2B5EF4-FFF2-40B4-BE49-F238E27FC236}">
+                <a16:creationId xmlns:a16="http://schemas.microsoft.com/office/drawing/2014/main" id="{B0C5B019-A592-DF31-7126-EDB0D690E8F0}"/>
+              </a:ext>
+            </a:extLst>
+          </p:cNvPr>
+          <p:cNvSpPr txBox="1"/>
+          <p:nvPr/>
+        </p:nvSpPr>
+        <p:spPr>
+          <a:xfrm>
+            <a:off x="4889695" y="15793"/>
+            <a:ext cx="4953000" cy="830999"/>
+          </a:xfrm>
+          <a:prstGeom prst="rect">
+            <a:avLst/>
+          </a:prstGeom>
+          <a:noFill/>
+        </p:spPr>
+        <p:txBody>
+          <a:bodyPr wrap="square">
+            <a:spAutoFit/>
+          </a:bodyPr>
+          <a:lstStyle/>
+          <a:p>
+            <a:pPr algn="ctr"/>
+            <a:r>
+              <a:rPr lang="en-US" sz="4800" b="1" cap="small" dirty="0">
+                <a:solidFill>
+                  <a:srgbClr val="FF0000"/>
+                </a:solidFill>
+                <a:latin typeface="Oxygen" panose="02000503000000000000" pitchFamily="2" charset="0"/>
+              </a:rPr>
+              <a:t>EMERGENCY</a:t>
+            </a:r>
+            <a:endParaRPr lang="en-US" sz="4800" dirty="0"/>
+          </a:p>
+        </p:txBody>
+      </p:sp>
+      <p:pic>
+        <p:nvPicPr>
+          <p:cNvPr id="24" name="Picture 2" descr="Red Phone Icon transparent PNG - StickPNG">
+            <a:extLst>
+              <a:ext uri="{FF2B5EF4-FFF2-40B4-BE49-F238E27FC236}">
+                <a16:creationId xmlns:a16="http://schemas.microsoft.com/office/drawing/2014/main" id="{025D7309-E28F-BD86-DF1C-3A9319EBB515}"/>
+              </a:ext>
+            </a:extLst>
+          </p:cNvPr>
+          <p:cNvPicPr>
+            <a:picLocks noChangeAspect="1" noChangeArrowheads="1"/>
+          </p:cNvPicPr>
+          <p:nvPr/>
+        </p:nvPicPr>
+        <p:blipFill>
+          <a:blip r:embed="rId2" cstate="print">
+            <a:extLst>
+              <a:ext uri="{28A0092B-C50C-407E-A947-70E740481C1C}">
+                <a14:useLocalDpi xmlns:a14="http://schemas.microsoft.com/office/drawing/2010/main" val="0"/>
+              </a:ext>
+            </a:extLst>
+          </a:blip>
+          <a:srcRect/>
+          <a:stretch>
+            <a:fillRect/>
+          </a:stretch>
+        </p:blipFill>
+        <p:spPr bwMode="auto">
+          <a:xfrm rot="2903785">
+            <a:off x="4811577" y="1101588"/>
+            <a:ext cx="1892645" cy="1892645"/>
+          </a:xfrm>
+          <a:prstGeom prst="rect">
+            <a:avLst/>
+          </a:prstGeom>
+          <a:noFill/>
+          <a:extLst>
+            <a:ext uri="{909E8E84-426E-40DD-AFC4-6F175D3DCCD1}">
+              <a14:hiddenFill xmlns:a14="http://schemas.microsoft.com/office/drawing/2010/main">
+                <a:solidFill>
+                  <a:srgbClr val="FFFFFF"/>
+                </a:solidFill>
+              </a14:hiddenFill>
+            </a:ext>
+          </a:extLst>
+        </p:spPr>
+      </p:pic>
+      <p:sp>
+        <p:nvSpPr>
+          <p:cNvPr id="25" name="TextBox 24">
+            <a:extLst>
+              <a:ext uri="{FF2B5EF4-FFF2-40B4-BE49-F238E27FC236}">
+                <a16:creationId xmlns:a16="http://schemas.microsoft.com/office/drawing/2014/main" id="{1E15B97A-DEDB-FEA6-62FA-786CB2F9D218}"/>
+              </a:ext>
+            </a:extLst>
+          </p:cNvPr>
+          <p:cNvSpPr txBox="1"/>
+          <p:nvPr/>
+        </p:nvSpPr>
+        <p:spPr>
+          <a:xfrm>
+            <a:off x="4985238" y="3197232"/>
+            <a:ext cx="4761914" cy="3573799"/>
+          </a:xfrm>
+          <a:prstGeom prst="rect">
+            <a:avLst/>
+          </a:prstGeom>
+          <a:noFill/>
+        </p:spPr>
+        <p:txBody>
+          <a:bodyPr wrap="square">
+            <a:spAutoFit/>
+          </a:bodyPr>
+          <a:lstStyle/>
+          <a:p>
+            <a:pPr algn="ctr">
+              <a:lnSpc>
+                <a:spcPct val="150000"/>
+              </a:lnSpc>
+            </a:pPr>
+            <a:r>
+              <a:rPr lang="en-US" sz="2000" b="1" i="0" u="none" strike="noStrike" dirty="0">
+                <a:effectLst/>
+                <a:latin typeface="Oxygen" panose="02000503000000000000" pitchFamily="2" charset="0"/>
+              </a:rPr>
+              <a:t>Lal Bazar: 033 2214 3230/3024</a:t>
+            </a:r>
+          </a:p>
+          <a:p>
+            <a:pPr algn="ctr">
+              <a:lnSpc>
+                <a:spcPct val="150000"/>
+              </a:lnSpc>
+            </a:pPr>
+            <a:r>
+              <a:rPr lang="en-US" sz="2000" b="1" dirty="0">
+                <a:latin typeface="Oxygen" panose="02000503000000000000" pitchFamily="2" charset="0"/>
+              </a:rPr>
+              <a:t>Patuli PS (L): 629 225 8606</a:t>
+            </a:r>
+          </a:p>
+          <a:p>
+            <a:pPr algn="ctr"/>
+            <a:r>
+              <a:rPr lang="en-US" sz="2000" b="1" dirty="0">
+                <a:latin typeface="Oxygen" panose="02000503000000000000" pitchFamily="2" charset="0"/>
+              </a:rPr>
+              <a:t>(M): 8100976502</a:t>
+            </a:r>
+          </a:p>
+          <a:p>
+            <a:pPr algn="ctr">
+              <a:lnSpc>
+                <a:spcPct val="150000"/>
+              </a:lnSpc>
+            </a:pPr>
+            <a:r>
+              <a:rPr lang="en-US" sz="2000" b="1" i="0" u="none" strike="noStrike" dirty="0">
+                <a:effectLst/>
+                <a:latin typeface="Oxygen" panose="02000503000000000000" pitchFamily="2" charset="0"/>
+              </a:rPr>
+              <a:t>Patuli Fire Station: 033 2436 0685</a:t>
+            </a:r>
+          </a:p>
+          <a:p>
+            <a:pPr algn="ctr">
+              <a:lnSpc>
+                <a:spcPct val="150000"/>
+              </a:lnSpc>
+            </a:pPr>
+            <a:r>
+              <a:rPr lang="en-US" sz="2000" b="1" i="0" u="none" strike="noStrike" dirty="0">
+                <a:effectLst/>
+                <a:latin typeface="Oxygen" panose="02000503000000000000" pitchFamily="2" charset="0"/>
+              </a:rPr>
+              <a:t>Rai Ambulance: 94320 59771</a:t>
+            </a:r>
+          </a:p>
+          <a:p>
+            <a:pPr algn="ctr">
+              <a:lnSpc>
+                <a:spcPct val="150000"/>
+              </a:lnSpc>
+            </a:pPr>
+            <a:r>
+              <a:rPr lang="en-US" sz="2000" b="1" dirty="0">
+                <a:latin typeface="Oxygen" panose="02000503000000000000" pitchFamily="2" charset="0"/>
+              </a:rPr>
+              <a:t>Child Help Line: 1098</a:t>
+            </a:r>
+          </a:p>
+          <a:p>
+            <a:pPr algn="ctr">
+              <a:lnSpc>
+                <a:spcPct val="150000"/>
+              </a:lnSpc>
+            </a:pPr>
+            <a:r>
+              <a:rPr lang="en-US" sz="2000" b="1" dirty="0">
+                <a:latin typeface="Oxygen" panose="02000503000000000000" pitchFamily="2" charset="0"/>
+              </a:rPr>
+              <a:t>Women Help Line: 1091</a:t>
+            </a:r>
+          </a:p>
+          <a:p>
+            <a:pPr algn="ctr">
+              <a:lnSpc>
+                <a:spcPct val="150000"/>
+              </a:lnSpc>
+            </a:pPr>
+            <a:r>
+              <a:rPr lang="en-US" sz="2000" b="1" dirty="0">
+                <a:latin typeface="Oxygen" panose="02000503000000000000" pitchFamily="2" charset="0"/>
+              </a:rPr>
+              <a:t>Emergency Response: 112</a:t>
+            </a:r>
+          </a:p>
+        </p:txBody>
+      </p:sp>
+      <p:sp>
+        <p:nvSpPr>
+          <p:cNvPr id="26" name="TextBox 25">
+            <a:extLst>
+              <a:ext uri="{FF2B5EF4-FFF2-40B4-BE49-F238E27FC236}">
+                <a16:creationId xmlns:a16="http://schemas.microsoft.com/office/drawing/2014/main" id="{57CBA57B-9D23-9494-3038-55FE3E4DF0EF}"/>
+              </a:ext>
+            </a:extLst>
+          </p:cNvPr>
+          <p:cNvSpPr txBox="1"/>
+          <p:nvPr/>
+        </p:nvSpPr>
+        <p:spPr>
+          <a:xfrm>
+            <a:off x="6061274" y="846792"/>
+            <a:ext cx="3718116" cy="2215607"/>
+          </a:xfrm>
+          <a:prstGeom prst="rect">
+            <a:avLst/>
+          </a:prstGeom>
+          <a:noFill/>
+        </p:spPr>
+        <p:txBody>
+          <a:bodyPr wrap="square">
+            <a:spAutoFit/>
+          </a:bodyPr>
+          <a:lstStyle/>
+          <a:p>
+            <a:pPr>
+              <a:lnSpc>
+                <a:spcPct val="150000"/>
+              </a:lnSpc>
+            </a:pPr>
+            <a:r>
+              <a:rPr lang="en-US" sz="3200" b="1" cap="small" dirty="0">
+                <a:solidFill>
+                  <a:srgbClr val="FF0000"/>
+                </a:solidFill>
+                <a:latin typeface="Oxygen" panose="02000503000000000000" pitchFamily="2" charset="0"/>
+              </a:rPr>
+              <a:t>POLICE - 100, 109</a:t>
+            </a:r>
+          </a:p>
+          <a:p>
+            <a:pPr>
+              <a:lnSpc>
+                <a:spcPct val="150000"/>
+              </a:lnSpc>
+            </a:pPr>
+            <a:r>
+              <a:rPr lang="en-US" sz="3200" b="1" cap="small" dirty="0">
+                <a:solidFill>
+                  <a:srgbClr val="FF0000"/>
+                </a:solidFill>
+                <a:latin typeface="Oxygen" panose="02000503000000000000" pitchFamily="2" charset="0"/>
+              </a:rPr>
+              <a:t>FIRE - 101</a:t>
+            </a:r>
+          </a:p>
+          <a:p>
+            <a:pPr>
+              <a:lnSpc>
+                <a:spcPct val="150000"/>
+              </a:lnSpc>
+            </a:pPr>
+            <a:r>
+              <a:rPr lang="en-US" sz="3200" b="1" cap="small" dirty="0">
+                <a:solidFill>
+                  <a:srgbClr val="FF0000"/>
+                </a:solidFill>
+                <a:latin typeface="Oxygen" panose="02000503000000000000" pitchFamily="2" charset="0"/>
+              </a:rPr>
+              <a:t>AMBULANCE - 102</a:t>
+            </a:r>
+          </a:p>
+        </p:txBody>
+      </p:sp>
+    </p:spTree>
+    <p:extLst>
+      <p:ext uri="{BB962C8B-B14F-4D97-AF65-F5344CB8AC3E}">
+        <p14:creationId xmlns:p14="http://schemas.microsoft.com/office/powerpoint/2010/main" val="1727060577"/>
+      </p:ext>
+    </p:extLst>
+  </p:cSld>
+  <p:clrMapOvr>
+    <a:masterClrMapping/>
+  </p:clrMapOvr>
 </p:sld>
 </file>
 
